--- a/dcsdocs/smco/smco.pptx
+++ b/dcsdocs/smco/smco.pptx
@@ -6588,8 +6588,8 @@
         </p:nvSpPr>
         <p:spPr>
           <a:xfrm>
-            <a:off x="687284" y="3316778"/>
-            <a:ext cx="769073" cy="371676"/>
+            <a:off x="624690" y="3316778"/>
+            <a:ext cx="831668" cy="371676"/>
           </a:xfrm>
           <a:prstGeom prst="rect">
             <a:avLst/>

--- a/dcsdocs/smco/smco.pptx
+++ b/dcsdocs/smco/smco.pptx
@@ -245,7 +245,7 @@
           <a:p>
             <a:fld id="{EE537942-325D-4935-92C0-9ADF7133D910}" type="datetimeFigureOut">
               <a:rPr lang="en-US" smtClean="0"/>
-              <a:t>05-Aug-23</a:t>
+              <a:t>06-Aug-23</a:t>
             </a:fld>
             <a:endParaRPr lang="en-US"/>
           </a:p>
@@ -532,7 +532,7 @@
           <a:p>
             <a:fld id="{EE537942-325D-4935-92C0-9ADF7133D910}" type="datetimeFigureOut">
               <a:rPr lang="en-US" smtClean="0"/>
-              <a:t>05-Aug-23</a:t>
+              <a:t>06-Aug-23</a:t>
             </a:fld>
             <a:endParaRPr lang="en-US"/>
           </a:p>
@@ -724,7 +724,7 @@
           <a:p>
             <a:fld id="{EE537942-325D-4935-92C0-9ADF7133D910}" type="datetimeFigureOut">
               <a:rPr lang="en-US" smtClean="0"/>
-              <a:t>05-Aug-23</a:t>
+              <a:t>06-Aug-23</a:t>
             </a:fld>
             <a:endParaRPr lang="en-US"/>
           </a:p>
@@ -985,7 +985,7 @@
           <a:p>
             <a:fld id="{EE537942-325D-4935-92C0-9ADF7133D910}" type="datetimeFigureOut">
               <a:rPr lang="en-US" smtClean="0"/>
-              <a:t>05-Aug-23</a:t>
+              <a:t>06-Aug-23</a:t>
             </a:fld>
             <a:endParaRPr lang="en-US"/>
           </a:p>
@@ -1409,7 +1409,7 @@
           <a:p>
             <a:fld id="{EE537942-325D-4935-92C0-9ADF7133D910}" type="datetimeFigureOut">
               <a:rPr lang="en-US" smtClean="0"/>
-              <a:t>05-Aug-23</a:t>
+              <a:t>06-Aug-23</a:t>
             </a:fld>
             <a:endParaRPr lang="en-US"/>
           </a:p>
@@ -1955,7 +1955,7 @@
           <a:p>
             <a:fld id="{EE537942-325D-4935-92C0-9ADF7133D910}" type="datetimeFigureOut">
               <a:rPr lang="en-US" smtClean="0"/>
-              <a:t>05-Aug-23</a:t>
+              <a:t>06-Aug-23</a:t>
             </a:fld>
             <a:endParaRPr lang="en-US"/>
           </a:p>
@@ -2795,7 +2795,7 @@
           <a:p>
             <a:fld id="{EE537942-325D-4935-92C0-9ADF7133D910}" type="datetimeFigureOut">
               <a:rPr lang="en-US" smtClean="0"/>
-              <a:t>05-Aug-23</a:t>
+              <a:t>06-Aug-23</a:t>
             </a:fld>
             <a:endParaRPr lang="en-US"/>
           </a:p>
@@ -2965,7 +2965,7 @@
           <a:p>
             <a:fld id="{EE537942-325D-4935-92C0-9ADF7133D910}" type="datetimeFigureOut">
               <a:rPr lang="en-US" smtClean="0"/>
-              <a:t>05-Aug-23</a:t>
+              <a:t>06-Aug-23</a:t>
             </a:fld>
             <a:endParaRPr lang="en-US"/>
           </a:p>
@@ -3149,7 +3149,7 @@
           <a:p>
             <a:fld id="{EE537942-325D-4935-92C0-9ADF7133D910}" type="datetimeFigureOut">
               <a:rPr lang="en-US" smtClean="0"/>
-              <a:t>05-Aug-23</a:t>
+              <a:t>06-Aug-23</a:t>
             </a:fld>
             <a:endParaRPr lang="en-US"/>
           </a:p>
@@ -3319,7 +3319,7 @@
           <a:p>
             <a:fld id="{EE537942-325D-4935-92C0-9ADF7133D910}" type="datetimeFigureOut">
               <a:rPr lang="en-US" smtClean="0"/>
-              <a:t>05-Aug-23</a:t>
+              <a:t>06-Aug-23</a:t>
             </a:fld>
             <a:endParaRPr lang="en-US"/>
           </a:p>
@@ -3567,7 +3567,7 @@
           <a:p>
             <a:fld id="{EE537942-325D-4935-92C0-9ADF7133D910}" type="datetimeFigureOut">
               <a:rPr lang="en-US" smtClean="0"/>
-              <a:t>05-Aug-23</a:t>
+              <a:t>06-Aug-23</a:t>
             </a:fld>
             <a:endParaRPr lang="en-US"/>
           </a:p>
@@ -3804,7 +3804,7 @@
           <a:p>
             <a:fld id="{EE537942-325D-4935-92C0-9ADF7133D910}" type="datetimeFigureOut">
               <a:rPr lang="en-US" smtClean="0"/>
-              <a:t>05-Aug-23</a:t>
+              <a:t>06-Aug-23</a:t>
             </a:fld>
             <a:endParaRPr lang="en-US"/>
           </a:p>
@@ -4177,7 +4177,7 @@
           <a:p>
             <a:fld id="{EE537942-325D-4935-92C0-9ADF7133D910}" type="datetimeFigureOut">
               <a:rPr lang="en-US" smtClean="0"/>
-              <a:t>05-Aug-23</a:t>
+              <a:t>06-Aug-23</a:t>
             </a:fld>
             <a:endParaRPr lang="en-US"/>
           </a:p>
@@ -4295,7 +4295,7 @@
           <a:p>
             <a:fld id="{EE537942-325D-4935-92C0-9ADF7133D910}" type="datetimeFigureOut">
               <a:rPr lang="en-US" smtClean="0"/>
-              <a:t>05-Aug-23</a:t>
+              <a:t>06-Aug-23</a:t>
             </a:fld>
             <a:endParaRPr lang="en-US"/>
           </a:p>
@@ -4390,7 +4390,7 @@
           <a:p>
             <a:fld id="{EE537942-325D-4935-92C0-9ADF7133D910}" type="datetimeFigureOut">
               <a:rPr lang="en-US" smtClean="0"/>
-              <a:t>05-Aug-23</a:t>
+              <a:t>06-Aug-23</a:t>
             </a:fld>
             <a:endParaRPr lang="en-US"/>
           </a:p>
@@ -4641,7 +4641,7 @@
           <a:p>
             <a:fld id="{EE537942-325D-4935-92C0-9ADF7133D910}" type="datetimeFigureOut">
               <a:rPr lang="en-US" smtClean="0"/>
-              <a:t>05-Aug-23</a:t>
+              <a:t>06-Aug-23</a:t>
             </a:fld>
             <a:endParaRPr lang="en-US"/>
           </a:p>
@@ -4928,7 +4928,7 @@
           <a:p>
             <a:fld id="{EE537942-325D-4935-92C0-9ADF7133D910}" type="datetimeFigureOut">
               <a:rPr lang="en-US" smtClean="0"/>
-              <a:t>05-Aug-23</a:t>
+              <a:t>06-Aug-23</a:t>
             </a:fld>
             <a:endParaRPr lang="en-US"/>
           </a:p>
@@ -5141,7 +5141,7 @@
           <a:p>
             <a:fld id="{EE537942-325D-4935-92C0-9ADF7133D910}" type="datetimeFigureOut">
               <a:rPr lang="en-US" smtClean="0"/>
-              <a:t>05-Aug-23</a:t>
+              <a:t>06-Aug-23</a:t>
             </a:fld>
             <a:endParaRPr lang="en-US"/>
           </a:p>
@@ -5987,8 +5987,8 @@
         </p:nvSpPr>
         <p:spPr>
           <a:xfrm>
-            <a:off x="4842568" y="3175917"/>
-            <a:ext cx="1116647" cy="369332"/>
+            <a:off x="4789323" y="3175917"/>
+            <a:ext cx="1223137" cy="369332"/>
           </a:xfrm>
           <a:prstGeom prst="rect">
             <a:avLst/>
